--- a/documentation for the project/ppt/PROJECT_PRESENTATION_1.pptx
+++ b/documentation for the project/ppt/PROJECT_PRESENTATION_1.pptx
@@ -271,7 +271,7 @@
           <a:p>
             <a:fld id="{3A2A02A2-631E-4BEC-8D70-7C27E9EB4DE8}" type="datetimeFigureOut">
               <a:rPr lang="en-IN" smtClean="0"/>
-              <a:t>20-01-2021</a:t>
+              <a:t>29-05-2021</a:t>
             </a:fld>
             <a:endParaRPr lang="en-IN"/>
           </a:p>
@@ -471,7 +471,7 @@
           <a:p>
             <a:fld id="{3A2A02A2-631E-4BEC-8D70-7C27E9EB4DE8}" type="datetimeFigureOut">
               <a:rPr lang="en-IN" smtClean="0"/>
-              <a:t>20-01-2021</a:t>
+              <a:t>29-05-2021</a:t>
             </a:fld>
             <a:endParaRPr lang="en-IN"/>
           </a:p>
@@ -681,7 +681,7 @@
           <a:p>
             <a:fld id="{3A2A02A2-631E-4BEC-8D70-7C27E9EB4DE8}" type="datetimeFigureOut">
               <a:rPr lang="en-IN" smtClean="0"/>
-              <a:t>20-01-2021</a:t>
+              <a:t>29-05-2021</a:t>
             </a:fld>
             <a:endParaRPr lang="en-IN"/>
           </a:p>
@@ -881,7 +881,7 @@
           <a:p>
             <a:fld id="{3A2A02A2-631E-4BEC-8D70-7C27E9EB4DE8}" type="datetimeFigureOut">
               <a:rPr lang="en-IN" smtClean="0"/>
-              <a:t>20-01-2021</a:t>
+              <a:t>29-05-2021</a:t>
             </a:fld>
             <a:endParaRPr lang="en-IN"/>
           </a:p>
@@ -1157,7 +1157,7 @@
           <a:p>
             <a:fld id="{3A2A02A2-631E-4BEC-8D70-7C27E9EB4DE8}" type="datetimeFigureOut">
               <a:rPr lang="en-IN" smtClean="0"/>
-              <a:t>20-01-2021</a:t>
+              <a:t>29-05-2021</a:t>
             </a:fld>
             <a:endParaRPr lang="en-IN"/>
           </a:p>
@@ -1425,7 +1425,7 @@
           <a:p>
             <a:fld id="{3A2A02A2-631E-4BEC-8D70-7C27E9EB4DE8}" type="datetimeFigureOut">
               <a:rPr lang="en-IN" smtClean="0"/>
-              <a:t>20-01-2021</a:t>
+              <a:t>29-05-2021</a:t>
             </a:fld>
             <a:endParaRPr lang="en-IN"/>
           </a:p>
@@ -1840,7 +1840,7 @@
           <a:p>
             <a:fld id="{3A2A02A2-631E-4BEC-8D70-7C27E9EB4DE8}" type="datetimeFigureOut">
               <a:rPr lang="en-IN" smtClean="0"/>
-              <a:t>20-01-2021</a:t>
+              <a:t>29-05-2021</a:t>
             </a:fld>
             <a:endParaRPr lang="en-IN"/>
           </a:p>
@@ -1982,7 +1982,7 @@
           <a:p>
             <a:fld id="{3A2A02A2-631E-4BEC-8D70-7C27E9EB4DE8}" type="datetimeFigureOut">
               <a:rPr lang="en-IN" smtClean="0"/>
-              <a:t>20-01-2021</a:t>
+              <a:t>29-05-2021</a:t>
             </a:fld>
             <a:endParaRPr lang="en-IN"/>
           </a:p>
@@ -2095,7 +2095,7 @@
           <a:p>
             <a:fld id="{3A2A02A2-631E-4BEC-8D70-7C27E9EB4DE8}" type="datetimeFigureOut">
               <a:rPr lang="en-IN" smtClean="0"/>
-              <a:t>20-01-2021</a:t>
+              <a:t>29-05-2021</a:t>
             </a:fld>
             <a:endParaRPr lang="en-IN"/>
           </a:p>
@@ -2408,7 +2408,7 @@
           <a:p>
             <a:fld id="{3A2A02A2-631E-4BEC-8D70-7C27E9EB4DE8}" type="datetimeFigureOut">
               <a:rPr lang="en-IN" smtClean="0"/>
-              <a:t>20-01-2021</a:t>
+              <a:t>29-05-2021</a:t>
             </a:fld>
             <a:endParaRPr lang="en-IN"/>
           </a:p>
@@ -2697,7 +2697,7 @@
           <a:p>
             <a:fld id="{3A2A02A2-631E-4BEC-8D70-7C27E9EB4DE8}" type="datetimeFigureOut">
               <a:rPr lang="en-IN" smtClean="0"/>
-              <a:t>20-01-2021</a:t>
+              <a:t>29-05-2021</a:t>
             </a:fld>
             <a:endParaRPr lang="en-IN"/>
           </a:p>
@@ -2940,7 +2940,7 @@
           <a:p>
             <a:fld id="{3A2A02A2-631E-4BEC-8D70-7C27E9EB4DE8}" type="datetimeFigureOut">
               <a:rPr lang="en-IN" smtClean="0"/>
-              <a:t>20-01-2021</a:t>
+              <a:t>29-05-2021</a:t>
             </a:fld>
             <a:endParaRPr lang="en-IN"/>
           </a:p>
@@ -3384,10 +3384,10 @@
       </p:grpSpPr>
       <p:pic>
         <p:nvPicPr>
-          <p:cNvPr id="6" name="Graphic 5">
-            <a:extLst>
-              <a:ext uri="{FF2B5EF4-FFF2-40B4-BE49-F238E27FC236}">
-                <a16:creationId xmlns:a16="http://schemas.microsoft.com/office/drawing/2014/main" id="{7CB3DEC5-2C23-404C-9ACE-C58A840DB8F5}"/>
+          <p:cNvPr id="3" name="Picture 2">
+            <a:extLst>
+              <a:ext uri="{FF2B5EF4-FFF2-40B4-BE49-F238E27FC236}">
+                <a16:creationId xmlns:a16="http://schemas.microsoft.com/office/drawing/2014/main" id="{F3F530ED-B319-424F-B2A5-F958D04EB6DF}"/>
               </a:ext>
             </a:extLst>
           </p:cNvPr>
@@ -3402,9 +3402,6 @@
               <a:ext uri="{28A0092B-C50C-407E-A947-70E740481C1C}">
                 <a14:useLocalDpi xmlns:a14="http://schemas.microsoft.com/office/drawing/2010/main" val="0"/>
               </a:ext>
-              <a:ext uri="{96DAC541-7B7A-43D3-8B79-37D633B846F1}">
-                <asvg:svgBlip xmlns:asvg="http://schemas.microsoft.com/office/drawing/2016/SVG/main" r:embed="rId3"/>
-              </a:ext>
             </a:extLst>
           </a:blip>
           <a:stretch>
@@ -3413,14 +3410,58 @@
         </p:blipFill>
         <p:spPr>
           <a:xfrm>
-            <a:off x="2919412" y="252412"/>
-            <a:ext cx="6353175" cy="6353175"/>
+            <a:off x="4457700" y="577361"/>
+            <a:ext cx="3276600" cy="3276600"/>
           </a:xfrm>
           <a:prstGeom prst="rect">
             <a:avLst/>
           </a:prstGeom>
         </p:spPr>
       </p:pic>
+      <p:sp>
+        <p:nvSpPr>
+          <p:cNvPr id="4" name="TextBox 3">
+            <a:extLst>
+              <a:ext uri="{FF2B5EF4-FFF2-40B4-BE49-F238E27FC236}">
+                <a16:creationId xmlns:a16="http://schemas.microsoft.com/office/drawing/2014/main" id="{72F7725F-A667-42CA-BE78-6FD846F8BEBD}"/>
+              </a:ext>
+            </a:extLst>
+          </p:cNvPr>
+          <p:cNvSpPr txBox="1"/>
+          <p:nvPr/>
+        </p:nvSpPr>
+        <p:spPr>
+          <a:xfrm>
+            <a:off x="3822268" y="3853961"/>
+            <a:ext cx="4547463" cy="1200329"/>
+          </a:xfrm>
+          <a:prstGeom prst="rect">
+            <a:avLst/>
+          </a:prstGeom>
+          <a:noFill/>
+        </p:spPr>
+        <p:txBody>
+          <a:bodyPr wrap="none" rtlCol="0">
+            <a:spAutoFit/>
+          </a:bodyPr>
+          <a:lstStyle/>
+          <a:p>
+            <a:pPr algn="ctr"/>
+            <a:r>
+              <a:rPr lang="en-US" sz="3600" dirty="0"/>
+              <a:t>TORABERU</a:t>
+            </a:r>
+          </a:p>
+          <a:p>
+            <a:pPr algn="ctr"/>
+            <a:r>
+              <a:rPr lang="en-US" sz="3600" dirty="0"/>
+              <a:t> Travel (as in Japanese) </a:t>
+            </a:r>
+            <a:endParaRPr lang="en-IN" sz="3600" dirty="0"/>
+          </a:p>
+        </p:txBody>
+      </p:sp>
     </p:spTree>
     <p:extLst>
       <p:ext uri="{BB962C8B-B14F-4D97-AF65-F5344CB8AC3E}">
@@ -6863,156 +6904,6 @@
           </a:p>
         </p:txBody>
       </p:sp>
-      <p:sp>
-        <p:nvSpPr>
-          <p:cNvPr id="19" name="Freeform: Shape 18">
-            <a:extLst>
-              <a:ext uri="{FF2B5EF4-FFF2-40B4-BE49-F238E27FC236}">
-                <a16:creationId xmlns:a16="http://schemas.microsoft.com/office/drawing/2014/main" id="{1B59F348-7B9B-4411-9A7D-6D605AAAD705}"/>
-              </a:ext>
-            </a:extLst>
-          </p:cNvPr>
-          <p:cNvSpPr/>
-          <p:nvPr/>
-        </p:nvSpPr>
-        <p:spPr>
-          <a:xfrm>
-            <a:off x="1619645" y="1890625"/>
-            <a:ext cx="9592407" cy="1081478"/>
-          </a:xfrm>
-          <a:custGeom>
-            <a:avLst/>
-            <a:gdLst>
-              <a:gd name="connsiteX0" fmla="*/ 0 w 9592407"/>
-              <a:gd name="connsiteY0" fmla="*/ 0 h 797883"/>
-              <a:gd name="connsiteX1" fmla="*/ 9218304 w 9592407"/>
-              <a:gd name="connsiteY1" fmla="*/ 0 h 797883"/>
-              <a:gd name="connsiteX2" fmla="*/ 9218304 w 9592407"/>
-              <a:gd name="connsiteY2" fmla="*/ 12079 h 797883"/>
-              <a:gd name="connsiteX3" fmla="*/ 9592407 w 9592407"/>
-              <a:gd name="connsiteY3" fmla="*/ 386182 h 797883"/>
-              <a:gd name="connsiteX4" fmla="*/ 9592407 w 9592407"/>
-              <a:gd name="connsiteY4" fmla="*/ 411700 h 797883"/>
-              <a:gd name="connsiteX5" fmla="*/ 9218304 w 9592407"/>
-              <a:gd name="connsiteY5" fmla="*/ 785803 h 797883"/>
-              <a:gd name="connsiteX6" fmla="*/ 9218304 w 9592407"/>
-              <a:gd name="connsiteY6" fmla="*/ 797883 h 797883"/>
-              <a:gd name="connsiteX7" fmla="*/ 0 w 9592407"/>
-              <a:gd name="connsiteY7" fmla="*/ 797883 h 797883"/>
-              <a:gd name="connsiteX8" fmla="*/ 0 w 9592407"/>
-              <a:gd name="connsiteY8" fmla="*/ 785803 h 797883"/>
-              <a:gd name="connsiteX9" fmla="*/ 386862 w 9592407"/>
-              <a:gd name="connsiteY9" fmla="*/ 398941 h 797883"/>
-              <a:gd name="connsiteX10" fmla="*/ 0 w 9592407"/>
-              <a:gd name="connsiteY10" fmla="*/ 12079 h 797883"/>
-            </a:gdLst>
-            <a:ahLst/>
-            <a:cxnLst>
-              <a:cxn ang="0">
-                <a:pos x="connsiteX0" y="connsiteY0"/>
-              </a:cxn>
-              <a:cxn ang="0">
-                <a:pos x="connsiteX1" y="connsiteY1"/>
-              </a:cxn>
-              <a:cxn ang="0">
-                <a:pos x="connsiteX2" y="connsiteY2"/>
-              </a:cxn>
-              <a:cxn ang="0">
-                <a:pos x="connsiteX3" y="connsiteY3"/>
-              </a:cxn>
-              <a:cxn ang="0">
-                <a:pos x="connsiteX4" y="connsiteY4"/>
-              </a:cxn>
-              <a:cxn ang="0">
-                <a:pos x="connsiteX5" y="connsiteY5"/>
-              </a:cxn>
-              <a:cxn ang="0">
-                <a:pos x="connsiteX6" y="connsiteY6"/>
-              </a:cxn>
-              <a:cxn ang="0">
-                <a:pos x="connsiteX7" y="connsiteY7"/>
-              </a:cxn>
-              <a:cxn ang="0">
-                <a:pos x="connsiteX8" y="connsiteY8"/>
-              </a:cxn>
-              <a:cxn ang="0">
-                <a:pos x="connsiteX9" y="connsiteY9"/>
-              </a:cxn>
-              <a:cxn ang="0">
-                <a:pos x="connsiteX10" y="connsiteY10"/>
-              </a:cxn>
-            </a:cxnLst>
-            <a:rect l="l" t="t" r="r" b="b"/>
-            <a:pathLst>
-              <a:path w="9592407" h="797883">
-                <a:moveTo>
-                  <a:pt x="0" y="0"/>
-                </a:moveTo>
-                <a:lnTo>
-                  <a:pt x="9218304" y="0"/>
-                </a:lnTo>
-                <a:lnTo>
-                  <a:pt x="9218304" y="12079"/>
-                </a:lnTo>
-                <a:lnTo>
-                  <a:pt x="9592407" y="386182"/>
-                </a:lnTo>
-                <a:lnTo>
-                  <a:pt x="9592407" y="411700"/>
-                </a:lnTo>
-                <a:lnTo>
-                  <a:pt x="9218304" y="785803"/>
-                </a:lnTo>
-                <a:lnTo>
-                  <a:pt x="9218304" y="797883"/>
-                </a:lnTo>
-                <a:lnTo>
-                  <a:pt x="0" y="797883"/>
-                </a:lnTo>
-                <a:lnTo>
-                  <a:pt x="0" y="785803"/>
-                </a:lnTo>
-                <a:lnTo>
-                  <a:pt x="386862" y="398941"/>
-                </a:lnTo>
-                <a:lnTo>
-                  <a:pt x="0" y="12079"/>
-                </a:lnTo>
-                <a:close/>
-              </a:path>
-            </a:pathLst>
-          </a:custGeom>
-          <a:solidFill>
-            <a:srgbClr val="FD7BA3"/>
-          </a:solidFill>
-        </p:spPr>
-        <p:style>
-          <a:lnRef idx="2">
-            <a:schemeClr val="accent1">
-              <a:shade val="50000"/>
-            </a:schemeClr>
-          </a:lnRef>
-          <a:fillRef idx="1">
-            <a:schemeClr val="accent1"/>
-          </a:fillRef>
-          <a:effectRef idx="0">
-            <a:schemeClr val="accent1"/>
-          </a:effectRef>
-          <a:fontRef idx="minor">
-            <a:schemeClr val="lt1"/>
-          </a:fontRef>
-        </p:style>
-        <p:txBody>
-          <a:bodyPr wrap="square" rtlCol="0" anchor="ctr">
-            <a:noAutofit/>
-          </a:bodyPr>
-          <a:lstStyle/>
-          <a:p>
-            <a:pPr algn="ctr"/>
-            <a:endParaRPr lang="en-IN" dirty="0"/>
-          </a:p>
-        </p:txBody>
-      </p:sp>
       <p:pic>
         <p:nvPicPr>
           <p:cNvPr id="1026" name="Picture 2" descr="23 Popular Color Combinations Loved By Over 90,000 People!">
@@ -7058,413 +6949,407 @@
           </a:extLst>
         </p:spPr>
       </p:pic>
-      <p:sp>
-        <p:nvSpPr>
-          <p:cNvPr id="21" name="Freeform: Shape 20">
-            <a:extLst>
-              <a:ext uri="{FF2B5EF4-FFF2-40B4-BE49-F238E27FC236}">
-                <a16:creationId xmlns:a16="http://schemas.microsoft.com/office/drawing/2014/main" id="{282BE84F-DE6E-4FF1-A421-A6516B8350C6}"/>
-              </a:ext>
-            </a:extLst>
-          </p:cNvPr>
-          <p:cNvSpPr/>
+      <p:grpSp>
+        <p:nvGrpSpPr>
+          <p:cNvPr id="2" name="Group 1">
+            <a:extLst>
+              <a:ext uri="{FF2B5EF4-FFF2-40B4-BE49-F238E27FC236}">
+                <a16:creationId xmlns:a16="http://schemas.microsoft.com/office/drawing/2014/main" id="{AF43B838-A137-4A08-B2D3-369ED3AF905A}"/>
+              </a:ext>
+            </a:extLst>
+          </p:cNvPr>
+          <p:cNvGrpSpPr/>
           <p:nvPr/>
-        </p:nvSpPr>
-        <p:spPr>
+        </p:nvGrpSpPr>
+        <p:grpSpPr>
           <a:xfrm>
-            <a:off x="1619645" y="3090993"/>
-            <a:ext cx="9592407" cy="1081478"/>
+            <a:off x="1619645" y="2217219"/>
+            <a:ext cx="9592407" cy="2423563"/>
+            <a:chOff x="1619645" y="1890625"/>
+            <a:chExt cx="9592407" cy="2423563"/>
           </a:xfrm>
-          <a:custGeom>
-            <a:avLst/>
-            <a:gdLst>
-              <a:gd name="connsiteX0" fmla="*/ 0 w 9592407"/>
-              <a:gd name="connsiteY0" fmla="*/ 0 h 797883"/>
-              <a:gd name="connsiteX1" fmla="*/ 9218304 w 9592407"/>
-              <a:gd name="connsiteY1" fmla="*/ 0 h 797883"/>
-              <a:gd name="connsiteX2" fmla="*/ 9218304 w 9592407"/>
-              <a:gd name="connsiteY2" fmla="*/ 12079 h 797883"/>
-              <a:gd name="connsiteX3" fmla="*/ 9592407 w 9592407"/>
-              <a:gd name="connsiteY3" fmla="*/ 386182 h 797883"/>
-              <a:gd name="connsiteX4" fmla="*/ 9592407 w 9592407"/>
-              <a:gd name="connsiteY4" fmla="*/ 411700 h 797883"/>
-              <a:gd name="connsiteX5" fmla="*/ 9218304 w 9592407"/>
-              <a:gd name="connsiteY5" fmla="*/ 785803 h 797883"/>
-              <a:gd name="connsiteX6" fmla="*/ 9218304 w 9592407"/>
-              <a:gd name="connsiteY6" fmla="*/ 797883 h 797883"/>
-              <a:gd name="connsiteX7" fmla="*/ 0 w 9592407"/>
-              <a:gd name="connsiteY7" fmla="*/ 797883 h 797883"/>
-              <a:gd name="connsiteX8" fmla="*/ 0 w 9592407"/>
-              <a:gd name="connsiteY8" fmla="*/ 785803 h 797883"/>
-              <a:gd name="connsiteX9" fmla="*/ 386862 w 9592407"/>
-              <a:gd name="connsiteY9" fmla="*/ 398941 h 797883"/>
-              <a:gd name="connsiteX10" fmla="*/ 0 w 9592407"/>
-              <a:gd name="connsiteY10" fmla="*/ 12079 h 797883"/>
-            </a:gdLst>
-            <a:ahLst/>
-            <a:cxnLst>
-              <a:cxn ang="0">
-                <a:pos x="connsiteX0" y="connsiteY0"/>
-              </a:cxn>
-              <a:cxn ang="0">
-                <a:pos x="connsiteX1" y="connsiteY1"/>
-              </a:cxn>
-              <a:cxn ang="0">
-                <a:pos x="connsiteX2" y="connsiteY2"/>
-              </a:cxn>
-              <a:cxn ang="0">
-                <a:pos x="connsiteX3" y="connsiteY3"/>
-              </a:cxn>
-              <a:cxn ang="0">
-                <a:pos x="connsiteX4" y="connsiteY4"/>
-              </a:cxn>
-              <a:cxn ang="0">
-                <a:pos x="connsiteX5" y="connsiteY5"/>
-              </a:cxn>
-              <a:cxn ang="0">
-                <a:pos x="connsiteX6" y="connsiteY6"/>
-              </a:cxn>
-              <a:cxn ang="0">
-                <a:pos x="connsiteX7" y="connsiteY7"/>
-              </a:cxn>
-              <a:cxn ang="0">
-                <a:pos x="connsiteX8" y="connsiteY8"/>
-              </a:cxn>
-              <a:cxn ang="0">
-                <a:pos x="connsiteX9" y="connsiteY9"/>
-              </a:cxn>
-              <a:cxn ang="0">
-                <a:pos x="connsiteX10" y="connsiteY10"/>
-              </a:cxn>
-            </a:cxnLst>
-            <a:rect l="l" t="t" r="r" b="b"/>
-            <a:pathLst>
-              <a:path w="9592407" h="797883">
-                <a:moveTo>
-                  <a:pt x="0" y="0"/>
-                </a:moveTo>
-                <a:lnTo>
-                  <a:pt x="9218304" y="0"/>
-                </a:lnTo>
-                <a:lnTo>
-                  <a:pt x="9218304" y="12079"/>
-                </a:lnTo>
-                <a:lnTo>
-                  <a:pt x="9592407" y="386182"/>
-                </a:lnTo>
-                <a:lnTo>
-                  <a:pt x="9592407" y="411700"/>
-                </a:lnTo>
-                <a:lnTo>
-                  <a:pt x="9218304" y="785803"/>
-                </a:lnTo>
-                <a:lnTo>
-                  <a:pt x="9218304" y="797883"/>
-                </a:lnTo>
-                <a:lnTo>
-                  <a:pt x="0" y="797883"/>
-                </a:lnTo>
-                <a:lnTo>
-                  <a:pt x="0" y="785803"/>
-                </a:lnTo>
-                <a:lnTo>
-                  <a:pt x="386862" y="398941"/>
-                </a:lnTo>
-                <a:lnTo>
-                  <a:pt x="0" y="12079"/>
-                </a:lnTo>
-                <a:close/>
-              </a:path>
-            </a:pathLst>
-          </a:custGeom>
-          <a:solidFill>
-            <a:srgbClr val="FD7BA3"/>
-          </a:solidFill>
-        </p:spPr>
-        <p:style>
-          <a:lnRef idx="2">
-            <a:schemeClr val="accent1">
-              <a:shade val="50000"/>
-            </a:schemeClr>
-          </a:lnRef>
-          <a:fillRef idx="1">
-            <a:schemeClr val="accent1"/>
-          </a:fillRef>
-          <a:effectRef idx="0">
-            <a:schemeClr val="accent1"/>
-          </a:effectRef>
-          <a:fontRef idx="minor">
-            <a:schemeClr val="lt1"/>
-          </a:fontRef>
-        </p:style>
-        <p:txBody>
-          <a:bodyPr wrap="square" rtlCol="0" anchor="ctr">
-            <a:noAutofit/>
-          </a:bodyPr>
-          <a:lstStyle/>
-          <a:p>
-            <a:pPr algn="ctr"/>
-            <a:endParaRPr lang="en-IN"/>
-          </a:p>
-        </p:txBody>
-      </p:sp>
-      <p:sp>
-        <p:nvSpPr>
-          <p:cNvPr id="22" name="Freeform: Shape 21">
-            <a:extLst>
-              <a:ext uri="{FF2B5EF4-FFF2-40B4-BE49-F238E27FC236}">
-                <a16:creationId xmlns:a16="http://schemas.microsoft.com/office/drawing/2014/main" id="{38414276-DCA0-4BAC-AB54-2C6D8CCECFB2}"/>
-              </a:ext>
-            </a:extLst>
-          </p:cNvPr>
-          <p:cNvSpPr/>
-          <p:nvPr/>
-        </p:nvSpPr>
-        <p:spPr>
-          <a:xfrm>
-            <a:off x="1619644" y="4291361"/>
-            <a:ext cx="9592407" cy="1081478"/>
-          </a:xfrm>
-          <a:custGeom>
-            <a:avLst/>
-            <a:gdLst>
-              <a:gd name="connsiteX0" fmla="*/ 0 w 9592407"/>
-              <a:gd name="connsiteY0" fmla="*/ 0 h 797883"/>
-              <a:gd name="connsiteX1" fmla="*/ 9218304 w 9592407"/>
-              <a:gd name="connsiteY1" fmla="*/ 0 h 797883"/>
-              <a:gd name="connsiteX2" fmla="*/ 9218304 w 9592407"/>
-              <a:gd name="connsiteY2" fmla="*/ 12079 h 797883"/>
-              <a:gd name="connsiteX3" fmla="*/ 9592407 w 9592407"/>
-              <a:gd name="connsiteY3" fmla="*/ 386182 h 797883"/>
-              <a:gd name="connsiteX4" fmla="*/ 9592407 w 9592407"/>
-              <a:gd name="connsiteY4" fmla="*/ 411700 h 797883"/>
-              <a:gd name="connsiteX5" fmla="*/ 9218304 w 9592407"/>
-              <a:gd name="connsiteY5" fmla="*/ 785803 h 797883"/>
-              <a:gd name="connsiteX6" fmla="*/ 9218304 w 9592407"/>
-              <a:gd name="connsiteY6" fmla="*/ 797883 h 797883"/>
-              <a:gd name="connsiteX7" fmla="*/ 0 w 9592407"/>
-              <a:gd name="connsiteY7" fmla="*/ 797883 h 797883"/>
-              <a:gd name="connsiteX8" fmla="*/ 0 w 9592407"/>
-              <a:gd name="connsiteY8" fmla="*/ 785803 h 797883"/>
-              <a:gd name="connsiteX9" fmla="*/ 386862 w 9592407"/>
-              <a:gd name="connsiteY9" fmla="*/ 398941 h 797883"/>
-              <a:gd name="connsiteX10" fmla="*/ 0 w 9592407"/>
-              <a:gd name="connsiteY10" fmla="*/ 12079 h 797883"/>
-            </a:gdLst>
-            <a:ahLst/>
-            <a:cxnLst>
-              <a:cxn ang="0">
-                <a:pos x="connsiteX0" y="connsiteY0"/>
-              </a:cxn>
-              <a:cxn ang="0">
-                <a:pos x="connsiteX1" y="connsiteY1"/>
-              </a:cxn>
-              <a:cxn ang="0">
-                <a:pos x="connsiteX2" y="connsiteY2"/>
-              </a:cxn>
-              <a:cxn ang="0">
-                <a:pos x="connsiteX3" y="connsiteY3"/>
-              </a:cxn>
-              <a:cxn ang="0">
-                <a:pos x="connsiteX4" y="connsiteY4"/>
-              </a:cxn>
-              <a:cxn ang="0">
-                <a:pos x="connsiteX5" y="connsiteY5"/>
-              </a:cxn>
-              <a:cxn ang="0">
-                <a:pos x="connsiteX6" y="connsiteY6"/>
-              </a:cxn>
-              <a:cxn ang="0">
-                <a:pos x="connsiteX7" y="connsiteY7"/>
-              </a:cxn>
-              <a:cxn ang="0">
-                <a:pos x="connsiteX8" y="connsiteY8"/>
-              </a:cxn>
-              <a:cxn ang="0">
-                <a:pos x="connsiteX9" y="connsiteY9"/>
-              </a:cxn>
-              <a:cxn ang="0">
-                <a:pos x="connsiteX10" y="connsiteY10"/>
-              </a:cxn>
-            </a:cxnLst>
-            <a:rect l="l" t="t" r="r" b="b"/>
-            <a:pathLst>
-              <a:path w="9592407" h="797883">
-                <a:moveTo>
-                  <a:pt x="0" y="0"/>
-                </a:moveTo>
-                <a:lnTo>
-                  <a:pt x="9218304" y="0"/>
-                </a:lnTo>
-                <a:lnTo>
-                  <a:pt x="9218304" y="12079"/>
-                </a:lnTo>
-                <a:lnTo>
-                  <a:pt x="9592407" y="386182"/>
-                </a:lnTo>
-                <a:lnTo>
-                  <a:pt x="9592407" y="411700"/>
-                </a:lnTo>
-                <a:lnTo>
-                  <a:pt x="9218304" y="785803"/>
-                </a:lnTo>
-                <a:lnTo>
-                  <a:pt x="9218304" y="797883"/>
-                </a:lnTo>
-                <a:lnTo>
-                  <a:pt x="0" y="797883"/>
-                </a:lnTo>
-                <a:lnTo>
-                  <a:pt x="0" y="785803"/>
-                </a:lnTo>
-                <a:lnTo>
-                  <a:pt x="386862" y="398941"/>
-                </a:lnTo>
-                <a:lnTo>
-                  <a:pt x="0" y="12079"/>
-                </a:lnTo>
-                <a:close/>
-              </a:path>
-            </a:pathLst>
-          </a:custGeom>
-          <a:solidFill>
-            <a:srgbClr val="FD7BA3"/>
-          </a:solidFill>
-        </p:spPr>
-        <p:style>
-          <a:lnRef idx="2">
-            <a:schemeClr val="accent1">
-              <a:shade val="50000"/>
-            </a:schemeClr>
-          </a:lnRef>
-          <a:fillRef idx="1">
-            <a:schemeClr val="accent1"/>
-          </a:fillRef>
-          <a:effectRef idx="0">
-            <a:schemeClr val="accent1"/>
-          </a:effectRef>
-          <a:fontRef idx="minor">
-            <a:schemeClr val="lt1"/>
-          </a:fontRef>
-        </p:style>
-        <p:txBody>
-          <a:bodyPr wrap="square" rtlCol="0" anchor="ctr">
-            <a:noAutofit/>
-          </a:bodyPr>
-          <a:lstStyle/>
-          <a:p>
-            <a:pPr algn="ctr"/>
-            <a:endParaRPr lang="en-IN"/>
-          </a:p>
-        </p:txBody>
-      </p:sp>
-      <p:sp>
-        <p:nvSpPr>
-          <p:cNvPr id="16" name="TextBox 15">
-            <a:extLst>
-              <a:ext uri="{FF2B5EF4-FFF2-40B4-BE49-F238E27FC236}">
-                <a16:creationId xmlns:a16="http://schemas.microsoft.com/office/drawing/2014/main" id="{45F0420C-7140-4365-8837-22EAA3B50A62}"/>
-              </a:ext>
-            </a:extLst>
-          </p:cNvPr>
-          <p:cNvSpPr txBox="1"/>
-          <p:nvPr/>
-        </p:nvSpPr>
-        <p:spPr>
-          <a:xfrm>
-            <a:off x="2268415" y="1957188"/>
-            <a:ext cx="7886700" cy="923330"/>
-          </a:xfrm>
-          <a:prstGeom prst="rect">
-            <a:avLst/>
-          </a:prstGeom>
-          <a:noFill/>
-        </p:spPr>
-        <p:txBody>
-          <a:bodyPr wrap="square" rtlCol="0">
-            <a:spAutoFit/>
-          </a:bodyPr>
-          <a:lstStyle/>
-          <a:p>
-            <a:pPr algn="just"/>
-            <a:r>
-              <a:rPr lang="en-IN" b="1" dirty="0"/>
-              <a:t>The website will help the tourist decide which place to visit based on the reachability, accommodation, and other factors. Also it will provide the history form the Wikipedia. </a:t>
-            </a:r>
-          </a:p>
-        </p:txBody>
-      </p:sp>
-      <p:sp>
-        <p:nvSpPr>
-          <p:cNvPr id="20" name="TextBox 19">
-            <a:extLst>
-              <a:ext uri="{FF2B5EF4-FFF2-40B4-BE49-F238E27FC236}">
-                <a16:creationId xmlns:a16="http://schemas.microsoft.com/office/drawing/2014/main" id="{0854D19B-5D16-4C03-932A-02EBE95718B5}"/>
-              </a:ext>
-            </a:extLst>
-          </p:cNvPr>
-          <p:cNvSpPr txBox="1"/>
-          <p:nvPr/>
-        </p:nvSpPr>
-        <p:spPr>
-          <a:xfrm>
-            <a:off x="2268415" y="3352498"/>
-            <a:ext cx="7948247" cy="646331"/>
-          </a:xfrm>
-          <a:prstGeom prst="rect">
-            <a:avLst/>
-          </a:prstGeom>
-          <a:noFill/>
-        </p:spPr>
-        <p:txBody>
-          <a:bodyPr wrap="square" rtlCol="0">
-            <a:spAutoFit/>
-          </a:bodyPr>
-          <a:lstStyle/>
-          <a:p>
-            <a:pPr algn="just"/>
-            <a:r>
-              <a:rPr lang="en-IN" b="1" dirty="0"/>
-              <a:t>The authors and bloggers will also will be able to request to  publish their content with the link based along side the Wikipedia.</a:t>
-            </a:r>
-          </a:p>
-        </p:txBody>
-      </p:sp>
-      <p:sp>
-        <p:nvSpPr>
-          <p:cNvPr id="23" name="TextBox 22">
-            <a:extLst>
-              <a:ext uri="{FF2B5EF4-FFF2-40B4-BE49-F238E27FC236}">
-                <a16:creationId xmlns:a16="http://schemas.microsoft.com/office/drawing/2014/main" id="{303185E4-5F1A-4C8C-9B57-23BE95A63057}"/>
-              </a:ext>
-            </a:extLst>
-          </p:cNvPr>
-          <p:cNvSpPr txBox="1"/>
-          <p:nvPr/>
-        </p:nvSpPr>
-        <p:spPr>
-          <a:xfrm>
-            <a:off x="2268415" y="4404946"/>
-            <a:ext cx="8370277" cy="646331"/>
-          </a:xfrm>
-          <a:prstGeom prst="rect">
-            <a:avLst/>
-          </a:prstGeom>
-          <a:noFill/>
-        </p:spPr>
-        <p:txBody>
-          <a:bodyPr wrap="square" rtlCol="0">
-            <a:spAutoFit/>
-          </a:bodyPr>
-          <a:lstStyle/>
-          <a:p>
-            <a:r>
-              <a:rPr lang="en-IN" b="1" dirty="0"/>
-              <a:t>The administration of the author and blogger content will be done by the stake holders of the website</a:t>
-            </a:r>
-          </a:p>
-        </p:txBody>
-      </p:sp>
+        </p:grpSpPr>
+        <p:sp>
+          <p:nvSpPr>
+            <p:cNvPr id="19" name="Freeform: Shape 18">
+              <a:extLst>
+                <a:ext uri="{FF2B5EF4-FFF2-40B4-BE49-F238E27FC236}">
+                  <a16:creationId xmlns:a16="http://schemas.microsoft.com/office/drawing/2014/main" id="{1B59F348-7B9B-4411-9A7D-6D605AAAD705}"/>
+                </a:ext>
+              </a:extLst>
+            </p:cNvPr>
+            <p:cNvSpPr/>
+            <p:nvPr/>
+          </p:nvSpPr>
+          <p:spPr>
+            <a:xfrm>
+              <a:off x="1619645" y="1890625"/>
+              <a:ext cx="9592407" cy="1081478"/>
+            </a:xfrm>
+            <a:custGeom>
+              <a:avLst/>
+              <a:gdLst>
+                <a:gd name="connsiteX0" fmla="*/ 0 w 9592407"/>
+                <a:gd name="connsiteY0" fmla="*/ 0 h 797883"/>
+                <a:gd name="connsiteX1" fmla="*/ 9218304 w 9592407"/>
+                <a:gd name="connsiteY1" fmla="*/ 0 h 797883"/>
+                <a:gd name="connsiteX2" fmla="*/ 9218304 w 9592407"/>
+                <a:gd name="connsiteY2" fmla="*/ 12079 h 797883"/>
+                <a:gd name="connsiteX3" fmla="*/ 9592407 w 9592407"/>
+                <a:gd name="connsiteY3" fmla="*/ 386182 h 797883"/>
+                <a:gd name="connsiteX4" fmla="*/ 9592407 w 9592407"/>
+                <a:gd name="connsiteY4" fmla="*/ 411700 h 797883"/>
+                <a:gd name="connsiteX5" fmla="*/ 9218304 w 9592407"/>
+                <a:gd name="connsiteY5" fmla="*/ 785803 h 797883"/>
+                <a:gd name="connsiteX6" fmla="*/ 9218304 w 9592407"/>
+                <a:gd name="connsiteY6" fmla="*/ 797883 h 797883"/>
+                <a:gd name="connsiteX7" fmla="*/ 0 w 9592407"/>
+                <a:gd name="connsiteY7" fmla="*/ 797883 h 797883"/>
+                <a:gd name="connsiteX8" fmla="*/ 0 w 9592407"/>
+                <a:gd name="connsiteY8" fmla="*/ 785803 h 797883"/>
+                <a:gd name="connsiteX9" fmla="*/ 386862 w 9592407"/>
+                <a:gd name="connsiteY9" fmla="*/ 398941 h 797883"/>
+                <a:gd name="connsiteX10" fmla="*/ 0 w 9592407"/>
+                <a:gd name="connsiteY10" fmla="*/ 12079 h 797883"/>
+              </a:gdLst>
+              <a:ahLst/>
+              <a:cxnLst>
+                <a:cxn ang="0">
+                  <a:pos x="connsiteX0" y="connsiteY0"/>
+                </a:cxn>
+                <a:cxn ang="0">
+                  <a:pos x="connsiteX1" y="connsiteY1"/>
+                </a:cxn>
+                <a:cxn ang="0">
+                  <a:pos x="connsiteX2" y="connsiteY2"/>
+                </a:cxn>
+                <a:cxn ang="0">
+                  <a:pos x="connsiteX3" y="connsiteY3"/>
+                </a:cxn>
+                <a:cxn ang="0">
+                  <a:pos x="connsiteX4" y="connsiteY4"/>
+                </a:cxn>
+                <a:cxn ang="0">
+                  <a:pos x="connsiteX5" y="connsiteY5"/>
+                </a:cxn>
+                <a:cxn ang="0">
+                  <a:pos x="connsiteX6" y="connsiteY6"/>
+                </a:cxn>
+                <a:cxn ang="0">
+                  <a:pos x="connsiteX7" y="connsiteY7"/>
+                </a:cxn>
+                <a:cxn ang="0">
+                  <a:pos x="connsiteX8" y="connsiteY8"/>
+                </a:cxn>
+                <a:cxn ang="0">
+                  <a:pos x="connsiteX9" y="connsiteY9"/>
+                </a:cxn>
+                <a:cxn ang="0">
+                  <a:pos x="connsiteX10" y="connsiteY10"/>
+                </a:cxn>
+              </a:cxnLst>
+              <a:rect l="l" t="t" r="r" b="b"/>
+              <a:pathLst>
+                <a:path w="9592407" h="797883">
+                  <a:moveTo>
+                    <a:pt x="0" y="0"/>
+                  </a:moveTo>
+                  <a:lnTo>
+                    <a:pt x="9218304" y="0"/>
+                  </a:lnTo>
+                  <a:lnTo>
+                    <a:pt x="9218304" y="12079"/>
+                  </a:lnTo>
+                  <a:lnTo>
+                    <a:pt x="9592407" y="386182"/>
+                  </a:lnTo>
+                  <a:lnTo>
+                    <a:pt x="9592407" y="411700"/>
+                  </a:lnTo>
+                  <a:lnTo>
+                    <a:pt x="9218304" y="785803"/>
+                  </a:lnTo>
+                  <a:lnTo>
+                    <a:pt x="9218304" y="797883"/>
+                  </a:lnTo>
+                  <a:lnTo>
+                    <a:pt x="0" y="797883"/>
+                  </a:lnTo>
+                  <a:lnTo>
+                    <a:pt x="0" y="785803"/>
+                  </a:lnTo>
+                  <a:lnTo>
+                    <a:pt x="386862" y="398941"/>
+                  </a:lnTo>
+                  <a:lnTo>
+                    <a:pt x="0" y="12079"/>
+                  </a:lnTo>
+                  <a:close/>
+                </a:path>
+              </a:pathLst>
+            </a:custGeom>
+            <a:solidFill>
+              <a:srgbClr val="FD7BA3"/>
+            </a:solidFill>
+          </p:spPr>
+          <p:style>
+            <a:lnRef idx="2">
+              <a:schemeClr val="accent1">
+                <a:shade val="50000"/>
+              </a:schemeClr>
+            </a:lnRef>
+            <a:fillRef idx="1">
+              <a:schemeClr val="accent1"/>
+            </a:fillRef>
+            <a:effectRef idx="0">
+              <a:schemeClr val="accent1"/>
+            </a:effectRef>
+            <a:fontRef idx="minor">
+              <a:schemeClr val="lt1"/>
+            </a:fontRef>
+          </p:style>
+          <p:txBody>
+            <a:bodyPr wrap="square" rtlCol="0" anchor="ctr">
+              <a:noAutofit/>
+            </a:bodyPr>
+            <a:lstStyle/>
+            <a:p>
+              <a:pPr algn="ctr"/>
+              <a:endParaRPr lang="en-IN" dirty="0"/>
+            </a:p>
+          </p:txBody>
+        </p:sp>
+        <p:sp>
+          <p:nvSpPr>
+            <p:cNvPr id="16" name="TextBox 15">
+              <a:extLst>
+                <a:ext uri="{FF2B5EF4-FFF2-40B4-BE49-F238E27FC236}">
+                  <a16:creationId xmlns:a16="http://schemas.microsoft.com/office/drawing/2014/main" id="{45F0420C-7140-4365-8837-22EAA3B50A62}"/>
+                </a:ext>
+              </a:extLst>
+            </p:cNvPr>
+            <p:cNvSpPr txBox="1"/>
+            <p:nvPr/>
+          </p:nvSpPr>
+          <p:spPr>
+            <a:xfrm>
+              <a:off x="2472498" y="2108198"/>
+              <a:ext cx="7886700" cy="646331"/>
+            </a:xfrm>
+            <a:prstGeom prst="rect">
+              <a:avLst/>
+            </a:prstGeom>
+            <a:noFill/>
+          </p:spPr>
+          <p:txBody>
+            <a:bodyPr wrap="square" rtlCol="0">
+              <a:spAutoFit/>
+            </a:bodyPr>
+            <a:lstStyle/>
+            <a:p>
+              <a:pPr algn="just"/>
+              <a:r>
+                <a:rPr lang="en-IN" b="1" dirty="0"/>
+                <a:t>The website will help the tourist decide which place to visit based on the reachability, accommodation, and other factors. </a:t>
+              </a:r>
+            </a:p>
+          </p:txBody>
+        </p:sp>
+        <p:sp>
+          <p:nvSpPr>
+            <p:cNvPr id="17" name="Freeform: Shape 16">
+              <a:extLst>
+                <a:ext uri="{FF2B5EF4-FFF2-40B4-BE49-F238E27FC236}">
+                  <a16:creationId xmlns:a16="http://schemas.microsoft.com/office/drawing/2014/main" id="{EB4824F5-0A0E-4409-8B8A-6CC504C987EE}"/>
+                </a:ext>
+              </a:extLst>
+            </p:cNvPr>
+            <p:cNvSpPr/>
+            <p:nvPr/>
+          </p:nvSpPr>
+          <p:spPr>
+            <a:xfrm>
+              <a:off x="1619645" y="3232710"/>
+              <a:ext cx="9592407" cy="1081478"/>
+            </a:xfrm>
+            <a:custGeom>
+              <a:avLst/>
+              <a:gdLst>
+                <a:gd name="connsiteX0" fmla="*/ 0 w 9592407"/>
+                <a:gd name="connsiteY0" fmla="*/ 0 h 797883"/>
+                <a:gd name="connsiteX1" fmla="*/ 9218304 w 9592407"/>
+                <a:gd name="connsiteY1" fmla="*/ 0 h 797883"/>
+                <a:gd name="connsiteX2" fmla="*/ 9218304 w 9592407"/>
+                <a:gd name="connsiteY2" fmla="*/ 12079 h 797883"/>
+                <a:gd name="connsiteX3" fmla="*/ 9592407 w 9592407"/>
+                <a:gd name="connsiteY3" fmla="*/ 386182 h 797883"/>
+                <a:gd name="connsiteX4" fmla="*/ 9592407 w 9592407"/>
+                <a:gd name="connsiteY4" fmla="*/ 411700 h 797883"/>
+                <a:gd name="connsiteX5" fmla="*/ 9218304 w 9592407"/>
+                <a:gd name="connsiteY5" fmla="*/ 785803 h 797883"/>
+                <a:gd name="connsiteX6" fmla="*/ 9218304 w 9592407"/>
+                <a:gd name="connsiteY6" fmla="*/ 797883 h 797883"/>
+                <a:gd name="connsiteX7" fmla="*/ 0 w 9592407"/>
+                <a:gd name="connsiteY7" fmla="*/ 797883 h 797883"/>
+                <a:gd name="connsiteX8" fmla="*/ 0 w 9592407"/>
+                <a:gd name="connsiteY8" fmla="*/ 785803 h 797883"/>
+                <a:gd name="connsiteX9" fmla="*/ 386862 w 9592407"/>
+                <a:gd name="connsiteY9" fmla="*/ 398941 h 797883"/>
+                <a:gd name="connsiteX10" fmla="*/ 0 w 9592407"/>
+                <a:gd name="connsiteY10" fmla="*/ 12079 h 797883"/>
+              </a:gdLst>
+              <a:ahLst/>
+              <a:cxnLst>
+                <a:cxn ang="0">
+                  <a:pos x="connsiteX0" y="connsiteY0"/>
+                </a:cxn>
+                <a:cxn ang="0">
+                  <a:pos x="connsiteX1" y="connsiteY1"/>
+                </a:cxn>
+                <a:cxn ang="0">
+                  <a:pos x="connsiteX2" y="connsiteY2"/>
+                </a:cxn>
+                <a:cxn ang="0">
+                  <a:pos x="connsiteX3" y="connsiteY3"/>
+                </a:cxn>
+                <a:cxn ang="0">
+                  <a:pos x="connsiteX4" y="connsiteY4"/>
+                </a:cxn>
+                <a:cxn ang="0">
+                  <a:pos x="connsiteX5" y="connsiteY5"/>
+                </a:cxn>
+                <a:cxn ang="0">
+                  <a:pos x="connsiteX6" y="connsiteY6"/>
+                </a:cxn>
+                <a:cxn ang="0">
+                  <a:pos x="connsiteX7" y="connsiteY7"/>
+                </a:cxn>
+                <a:cxn ang="0">
+                  <a:pos x="connsiteX8" y="connsiteY8"/>
+                </a:cxn>
+                <a:cxn ang="0">
+                  <a:pos x="connsiteX9" y="connsiteY9"/>
+                </a:cxn>
+                <a:cxn ang="0">
+                  <a:pos x="connsiteX10" y="connsiteY10"/>
+                </a:cxn>
+              </a:cxnLst>
+              <a:rect l="l" t="t" r="r" b="b"/>
+              <a:pathLst>
+                <a:path w="9592407" h="797883">
+                  <a:moveTo>
+                    <a:pt x="0" y="0"/>
+                  </a:moveTo>
+                  <a:lnTo>
+                    <a:pt x="9218304" y="0"/>
+                  </a:lnTo>
+                  <a:lnTo>
+                    <a:pt x="9218304" y="12079"/>
+                  </a:lnTo>
+                  <a:lnTo>
+                    <a:pt x="9592407" y="386182"/>
+                  </a:lnTo>
+                  <a:lnTo>
+                    <a:pt x="9592407" y="411700"/>
+                  </a:lnTo>
+                  <a:lnTo>
+                    <a:pt x="9218304" y="785803"/>
+                  </a:lnTo>
+                  <a:lnTo>
+                    <a:pt x="9218304" y="797883"/>
+                  </a:lnTo>
+                  <a:lnTo>
+                    <a:pt x="0" y="797883"/>
+                  </a:lnTo>
+                  <a:lnTo>
+                    <a:pt x="0" y="785803"/>
+                  </a:lnTo>
+                  <a:lnTo>
+                    <a:pt x="386862" y="398941"/>
+                  </a:lnTo>
+                  <a:lnTo>
+                    <a:pt x="0" y="12079"/>
+                  </a:lnTo>
+                  <a:close/>
+                </a:path>
+              </a:pathLst>
+            </a:custGeom>
+            <a:solidFill>
+              <a:srgbClr val="FD7BA3"/>
+            </a:solidFill>
+          </p:spPr>
+          <p:style>
+            <a:lnRef idx="2">
+              <a:schemeClr val="accent1">
+                <a:shade val="50000"/>
+              </a:schemeClr>
+            </a:lnRef>
+            <a:fillRef idx="1">
+              <a:schemeClr val="accent1"/>
+            </a:fillRef>
+            <a:effectRef idx="0">
+              <a:schemeClr val="accent1"/>
+            </a:effectRef>
+            <a:fontRef idx="minor">
+              <a:schemeClr val="lt1"/>
+            </a:fontRef>
+          </p:style>
+          <p:txBody>
+            <a:bodyPr wrap="square" rtlCol="0" anchor="ctr">
+              <a:noAutofit/>
+            </a:bodyPr>
+            <a:lstStyle/>
+            <a:p>
+              <a:pPr algn="ctr"/>
+              <a:endParaRPr lang="en-IN" dirty="0"/>
+            </a:p>
+          </p:txBody>
+        </p:sp>
+        <p:sp>
+          <p:nvSpPr>
+            <p:cNvPr id="18" name="TextBox 17">
+              <a:extLst>
+                <a:ext uri="{FF2B5EF4-FFF2-40B4-BE49-F238E27FC236}">
+                  <a16:creationId xmlns:a16="http://schemas.microsoft.com/office/drawing/2014/main" id="{1DCC3787-2406-4354-B8D8-E86373635ADE}"/>
+                </a:ext>
+              </a:extLst>
+            </p:cNvPr>
+            <p:cNvSpPr txBox="1"/>
+            <p:nvPr/>
+          </p:nvSpPr>
+          <p:spPr>
+            <a:xfrm>
+              <a:off x="2472498" y="3429000"/>
+              <a:ext cx="7886700" cy="646331"/>
+            </a:xfrm>
+            <a:prstGeom prst="rect">
+              <a:avLst/>
+            </a:prstGeom>
+            <a:noFill/>
+          </p:spPr>
+          <p:txBody>
+            <a:bodyPr wrap="square" rtlCol="0">
+              <a:spAutoFit/>
+            </a:bodyPr>
+            <a:lstStyle/>
+            <a:p>
+              <a:pPr algn="just"/>
+              <a:r>
+                <a:rPr lang="en-IN" b="1" dirty="0"/>
+                <a:t>The website will help to </a:t>
+              </a:r>
+              <a:r>
+                <a:rPr lang="en-IN" b="1" dirty="0" err="1"/>
+                <a:t>increast</a:t>
+              </a:r>
+              <a:r>
+                <a:rPr lang="en-IN" b="1" dirty="0"/>
+                <a:t> the tourism that is coming to the state of Maharashtra </a:t>
+              </a:r>
+            </a:p>
+          </p:txBody>
+        </p:sp>
+      </p:grpSp>
     </p:spTree>
     <p:extLst>
       <p:ext uri="{BB962C8B-B14F-4D97-AF65-F5344CB8AC3E}">
@@ -8558,378 +8443,407 @@
           </a:p>
         </p:txBody>
       </p:sp>
-      <p:sp>
-        <p:nvSpPr>
-          <p:cNvPr id="16" name="Freeform: Shape 15">
-            <a:extLst>
-              <a:ext uri="{FF2B5EF4-FFF2-40B4-BE49-F238E27FC236}">
-                <a16:creationId xmlns:a16="http://schemas.microsoft.com/office/drawing/2014/main" id="{7969AF3B-873D-42EF-B239-72641B93330E}"/>
-              </a:ext>
-            </a:extLst>
-          </p:cNvPr>
-          <p:cNvSpPr/>
+      <p:grpSp>
+        <p:nvGrpSpPr>
+          <p:cNvPr id="2" name="Group 1">
+            <a:extLst>
+              <a:ext uri="{FF2B5EF4-FFF2-40B4-BE49-F238E27FC236}">
+                <a16:creationId xmlns:a16="http://schemas.microsoft.com/office/drawing/2014/main" id="{50F5E4B6-2977-4A66-B3E9-A2C7F5B409EA}"/>
+              </a:ext>
+            </a:extLst>
+          </p:cNvPr>
+          <p:cNvGrpSpPr/>
           <p:nvPr/>
-        </p:nvSpPr>
-        <p:spPr>
+        </p:nvGrpSpPr>
+        <p:grpSpPr>
           <a:xfrm>
-            <a:off x="1522930" y="2649771"/>
-            <a:ext cx="9592407" cy="1081478"/>
+            <a:off x="1522930" y="2255074"/>
+            <a:ext cx="9592407" cy="2347853"/>
+            <a:chOff x="1522930" y="2649771"/>
+            <a:chExt cx="9592407" cy="2347853"/>
           </a:xfrm>
-          <a:custGeom>
-            <a:avLst/>
-            <a:gdLst>
-              <a:gd name="connsiteX0" fmla="*/ 0 w 9592407"/>
-              <a:gd name="connsiteY0" fmla="*/ 0 h 797883"/>
-              <a:gd name="connsiteX1" fmla="*/ 9218304 w 9592407"/>
-              <a:gd name="connsiteY1" fmla="*/ 0 h 797883"/>
-              <a:gd name="connsiteX2" fmla="*/ 9218304 w 9592407"/>
-              <a:gd name="connsiteY2" fmla="*/ 12079 h 797883"/>
-              <a:gd name="connsiteX3" fmla="*/ 9592407 w 9592407"/>
-              <a:gd name="connsiteY3" fmla="*/ 386182 h 797883"/>
-              <a:gd name="connsiteX4" fmla="*/ 9592407 w 9592407"/>
-              <a:gd name="connsiteY4" fmla="*/ 411700 h 797883"/>
-              <a:gd name="connsiteX5" fmla="*/ 9218304 w 9592407"/>
-              <a:gd name="connsiteY5" fmla="*/ 785803 h 797883"/>
-              <a:gd name="connsiteX6" fmla="*/ 9218304 w 9592407"/>
-              <a:gd name="connsiteY6" fmla="*/ 797883 h 797883"/>
-              <a:gd name="connsiteX7" fmla="*/ 0 w 9592407"/>
-              <a:gd name="connsiteY7" fmla="*/ 797883 h 797883"/>
-              <a:gd name="connsiteX8" fmla="*/ 0 w 9592407"/>
-              <a:gd name="connsiteY8" fmla="*/ 785803 h 797883"/>
-              <a:gd name="connsiteX9" fmla="*/ 386862 w 9592407"/>
-              <a:gd name="connsiteY9" fmla="*/ 398941 h 797883"/>
-              <a:gd name="connsiteX10" fmla="*/ 0 w 9592407"/>
-              <a:gd name="connsiteY10" fmla="*/ 12079 h 797883"/>
-            </a:gdLst>
-            <a:ahLst/>
-            <a:cxnLst>
-              <a:cxn ang="0">
-                <a:pos x="connsiteX0" y="connsiteY0"/>
-              </a:cxn>
-              <a:cxn ang="0">
-                <a:pos x="connsiteX1" y="connsiteY1"/>
-              </a:cxn>
-              <a:cxn ang="0">
-                <a:pos x="connsiteX2" y="connsiteY2"/>
-              </a:cxn>
-              <a:cxn ang="0">
-                <a:pos x="connsiteX3" y="connsiteY3"/>
-              </a:cxn>
-              <a:cxn ang="0">
-                <a:pos x="connsiteX4" y="connsiteY4"/>
-              </a:cxn>
-              <a:cxn ang="0">
-                <a:pos x="connsiteX5" y="connsiteY5"/>
-              </a:cxn>
-              <a:cxn ang="0">
-                <a:pos x="connsiteX6" y="connsiteY6"/>
-              </a:cxn>
-              <a:cxn ang="0">
-                <a:pos x="connsiteX7" y="connsiteY7"/>
-              </a:cxn>
-              <a:cxn ang="0">
-                <a:pos x="connsiteX8" y="connsiteY8"/>
-              </a:cxn>
-              <a:cxn ang="0">
-                <a:pos x="connsiteX9" y="connsiteY9"/>
-              </a:cxn>
-              <a:cxn ang="0">
-                <a:pos x="connsiteX10" y="connsiteY10"/>
-              </a:cxn>
-            </a:cxnLst>
-            <a:rect l="l" t="t" r="r" b="b"/>
-            <a:pathLst>
-              <a:path w="9592407" h="797883">
-                <a:moveTo>
-                  <a:pt x="0" y="0"/>
-                </a:moveTo>
-                <a:lnTo>
-                  <a:pt x="9218304" y="0"/>
-                </a:lnTo>
-                <a:lnTo>
-                  <a:pt x="9218304" y="12079"/>
-                </a:lnTo>
-                <a:lnTo>
-                  <a:pt x="9592407" y="386182"/>
-                </a:lnTo>
-                <a:lnTo>
-                  <a:pt x="9592407" y="411700"/>
-                </a:lnTo>
-                <a:lnTo>
-                  <a:pt x="9218304" y="785803"/>
-                </a:lnTo>
-                <a:lnTo>
-                  <a:pt x="9218304" y="797883"/>
-                </a:lnTo>
-                <a:lnTo>
-                  <a:pt x="0" y="797883"/>
-                </a:lnTo>
-                <a:lnTo>
-                  <a:pt x="0" y="785803"/>
-                </a:lnTo>
-                <a:lnTo>
-                  <a:pt x="386862" y="398941"/>
-                </a:lnTo>
-                <a:lnTo>
-                  <a:pt x="0" y="12079"/>
-                </a:lnTo>
-                <a:close/>
-              </a:path>
-            </a:pathLst>
-          </a:custGeom>
-          <a:solidFill>
-            <a:srgbClr val="FD7BA3"/>
-          </a:solidFill>
-        </p:spPr>
-        <p:style>
-          <a:lnRef idx="2">
-            <a:schemeClr val="accent1">
-              <a:shade val="50000"/>
-            </a:schemeClr>
-          </a:lnRef>
-          <a:fillRef idx="1">
-            <a:schemeClr val="accent1"/>
-          </a:fillRef>
-          <a:effectRef idx="0">
-            <a:schemeClr val="accent1"/>
-          </a:effectRef>
-          <a:fontRef idx="minor">
-            <a:schemeClr val="lt1"/>
-          </a:fontRef>
-        </p:style>
-        <p:txBody>
-          <a:bodyPr wrap="square" rtlCol="0" anchor="ctr">
-            <a:noAutofit/>
-          </a:bodyPr>
-          <a:lstStyle/>
-          <a:p>
-            <a:pPr algn="ctr"/>
-            <a:endParaRPr lang="en-IN" dirty="0"/>
-          </a:p>
-        </p:txBody>
-      </p:sp>
-      <p:sp>
-        <p:nvSpPr>
-          <p:cNvPr id="17" name="Freeform: Shape 16">
-            <a:extLst>
-              <a:ext uri="{FF2B5EF4-FFF2-40B4-BE49-F238E27FC236}">
-                <a16:creationId xmlns:a16="http://schemas.microsoft.com/office/drawing/2014/main" id="{12CFEF5E-302A-4C2D-B471-9AEAEFAFE042}"/>
-              </a:ext>
-            </a:extLst>
-          </p:cNvPr>
-          <p:cNvSpPr/>
-          <p:nvPr/>
-        </p:nvSpPr>
-        <p:spPr>
-          <a:xfrm>
-            <a:off x="1522930" y="3850139"/>
-            <a:ext cx="9592407" cy="1081478"/>
-          </a:xfrm>
-          <a:custGeom>
-            <a:avLst/>
-            <a:gdLst>
-              <a:gd name="connsiteX0" fmla="*/ 0 w 9592407"/>
-              <a:gd name="connsiteY0" fmla="*/ 0 h 797883"/>
-              <a:gd name="connsiteX1" fmla="*/ 9218304 w 9592407"/>
-              <a:gd name="connsiteY1" fmla="*/ 0 h 797883"/>
-              <a:gd name="connsiteX2" fmla="*/ 9218304 w 9592407"/>
-              <a:gd name="connsiteY2" fmla="*/ 12079 h 797883"/>
-              <a:gd name="connsiteX3" fmla="*/ 9592407 w 9592407"/>
-              <a:gd name="connsiteY3" fmla="*/ 386182 h 797883"/>
-              <a:gd name="connsiteX4" fmla="*/ 9592407 w 9592407"/>
-              <a:gd name="connsiteY4" fmla="*/ 411700 h 797883"/>
-              <a:gd name="connsiteX5" fmla="*/ 9218304 w 9592407"/>
-              <a:gd name="connsiteY5" fmla="*/ 785803 h 797883"/>
-              <a:gd name="connsiteX6" fmla="*/ 9218304 w 9592407"/>
-              <a:gd name="connsiteY6" fmla="*/ 797883 h 797883"/>
-              <a:gd name="connsiteX7" fmla="*/ 0 w 9592407"/>
-              <a:gd name="connsiteY7" fmla="*/ 797883 h 797883"/>
-              <a:gd name="connsiteX8" fmla="*/ 0 w 9592407"/>
-              <a:gd name="connsiteY8" fmla="*/ 785803 h 797883"/>
-              <a:gd name="connsiteX9" fmla="*/ 386862 w 9592407"/>
-              <a:gd name="connsiteY9" fmla="*/ 398941 h 797883"/>
-              <a:gd name="connsiteX10" fmla="*/ 0 w 9592407"/>
-              <a:gd name="connsiteY10" fmla="*/ 12079 h 797883"/>
-            </a:gdLst>
-            <a:ahLst/>
-            <a:cxnLst>
-              <a:cxn ang="0">
-                <a:pos x="connsiteX0" y="connsiteY0"/>
-              </a:cxn>
-              <a:cxn ang="0">
-                <a:pos x="connsiteX1" y="connsiteY1"/>
-              </a:cxn>
-              <a:cxn ang="0">
-                <a:pos x="connsiteX2" y="connsiteY2"/>
-              </a:cxn>
-              <a:cxn ang="0">
-                <a:pos x="connsiteX3" y="connsiteY3"/>
-              </a:cxn>
-              <a:cxn ang="0">
-                <a:pos x="connsiteX4" y="connsiteY4"/>
-              </a:cxn>
-              <a:cxn ang="0">
-                <a:pos x="connsiteX5" y="connsiteY5"/>
-              </a:cxn>
-              <a:cxn ang="0">
-                <a:pos x="connsiteX6" y="connsiteY6"/>
-              </a:cxn>
-              <a:cxn ang="0">
-                <a:pos x="connsiteX7" y="connsiteY7"/>
-              </a:cxn>
-              <a:cxn ang="0">
-                <a:pos x="connsiteX8" y="connsiteY8"/>
-              </a:cxn>
-              <a:cxn ang="0">
-                <a:pos x="connsiteX9" y="connsiteY9"/>
-              </a:cxn>
-              <a:cxn ang="0">
-                <a:pos x="connsiteX10" y="connsiteY10"/>
-              </a:cxn>
-            </a:cxnLst>
-            <a:rect l="l" t="t" r="r" b="b"/>
-            <a:pathLst>
-              <a:path w="9592407" h="797883">
-                <a:moveTo>
-                  <a:pt x="0" y="0"/>
-                </a:moveTo>
-                <a:lnTo>
-                  <a:pt x="9218304" y="0"/>
-                </a:lnTo>
-                <a:lnTo>
-                  <a:pt x="9218304" y="12079"/>
-                </a:lnTo>
-                <a:lnTo>
-                  <a:pt x="9592407" y="386182"/>
-                </a:lnTo>
-                <a:lnTo>
-                  <a:pt x="9592407" y="411700"/>
-                </a:lnTo>
-                <a:lnTo>
-                  <a:pt x="9218304" y="785803"/>
-                </a:lnTo>
-                <a:lnTo>
-                  <a:pt x="9218304" y="797883"/>
-                </a:lnTo>
-                <a:lnTo>
-                  <a:pt x="0" y="797883"/>
-                </a:lnTo>
-                <a:lnTo>
-                  <a:pt x="0" y="785803"/>
-                </a:lnTo>
-                <a:lnTo>
-                  <a:pt x="386862" y="398941"/>
-                </a:lnTo>
-                <a:lnTo>
-                  <a:pt x="0" y="12079"/>
-                </a:lnTo>
-                <a:close/>
-              </a:path>
-            </a:pathLst>
-          </a:custGeom>
-          <a:solidFill>
-            <a:srgbClr val="FD7BA3"/>
-          </a:solidFill>
-        </p:spPr>
-        <p:style>
-          <a:lnRef idx="2">
-            <a:schemeClr val="accent1">
-              <a:shade val="50000"/>
-            </a:schemeClr>
-          </a:lnRef>
-          <a:fillRef idx="1">
-            <a:schemeClr val="accent1"/>
-          </a:fillRef>
-          <a:effectRef idx="0">
-            <a:schemeClr val="accent1"/>
-          </a:effectRef>
-          <a:fontRef idx="minor">
-            <a:schemeClr val="lt1"/>
-          </a:fontRef>
-        </p:style>
-        <p:txBody>
-          <a:bodyPr wrap="square" rtlCol="0" anchor="ctr">
-            <a:noAutofit/>
-          </a:bodyPr>
-          <a:lstStyle/>
-          <a:p>
-            <a:pPr algn="ctr"/>
-            <a:endParaRPr lang="en-IN"/>
-          </a:p>
-        </p:txBody>
-      </p:sp>
-      <p:sp>
-        <p:nvSpPr>
-          <p:cNvPr id="18" name="TextBox 17">
-            <a:extLst>
-              <a:ext uri="{FF2B5EF4-FFF2-40B4-BE49-F238E27FC236}">
-                <a16:creationId xmlns:a16="http://schemas.microsoft.com/office/drawing/2014/main" id="{3CC4AF45-3B95-4649-846D-C1FBD01D0862}"/>
-              </a:ext>
-            </a:extLst>
-          </p:cNvPr>
-          <p:cNvSpPr txBox="1"/>
-          <p:nvPr/>
-        </p:nvSpPr>
-        <p:spPr>
-          <a:xfrm>
-            <a:off x="2171700" y="2716334"/>
-            <a:ext cx="7886700" cy="923330"/>
-          </a:xfrm>
-          <a:prstGeom prst="rect">
-            <a:avLst/>
-          </a:prstGeom>
-          <a:noFill/>
-        </p:spPr>
-        <p:txBody>
-          <a:bodyPr wrap="square" rtlCol="0">
-            <a:spAutoFit/>
-          </a:bodyPr>
-          <a:lstStyle/>
-          <a:p>
-            <a:pPr algn="just"/>
-            <a:r>
-              <a:rPr lang="en-IN" b="1" dirty="0"/>
-              <a:t>The website will provide the tourist to plan and decide which place they want to visit as some people have time constraint and want to take a break , they can decide which place will suit them.</a:t>
-            </a:r>
-          </a:p>
-        </p:txBody>
-      </p:sp>
-      <p:sp>
-        <p:nvSpPr>
-          <p:cNvPr id="19" name="TextBox 18">
-            <a:extLst>
-              <a:ext uri="{FF2B5EF4-FFF2-40B4-BE49-F238E27FC236}">
-                <a16:creationId xmlns:a16="http://schemas.microsoft.com/office/drawing/2014/main" id="{2877E4EB-08C1-4201-89E8-F7E13024BF43}"/>
-              </a:ext>
-            </a:extLst>
-          </p:cNvPr>
-          <p:cNvSpPr txBox="1"/>
-          <p:nvPr/>
-        </p:nvSpPr>
-        <p:spPr>
-          <a:xfrm>
-            <a:off x="2121876" y="4208552"/>
-            <a:ext cx="7948247" cy="369332"/>
-          </a:xfrm>
-          <a:prstGeom prst="rect">
-            <a:avLst/>
-          </a:prstGeom>
-          <a:noFill/>
-        </p:spPr>
-        <p:txBody>
-          <a:bodyPr wrap="square" rtlCol="0">
-            <a:spAutoFit/>
-          </a:bodyPr>
-          <a:lstStyle/>
-          <a:p>
-            <a:pPr algn="just"/>
-            <a:r>
-              <a:rPr lang="en-IN" b="1" dirty="0"/>
-              <a:t>The authors will also find their article or blogs published.</a:t>
-            </a:r>
-          </a:p>
-        </p:txBody>
-      </p:sp>
+        </p:grpSpPr>
+        <p:sp>
+          <p:nvSpPr>
+            <p:cNvPr id="16" name="Freeform: Shape 15">
+              <a:extLst>
+                <a:ext uri="{FF2B5EF4-FFF2-40B4-BE49-F238E27FC236}">
+                  <a16:creationId xmlns:a16="http://schemas.microsoft.com/office/drawing/2014/main" id="{7969AF3B-873D-42EF-B239-72641B93330E}"/>
+                </a:ext>
+              </a:extLst>
+            </p:cNvPr>
+            <p:cNvSpPr/>
+            <p:nvPr/>
+          </p:nvSpPr>
+          <p:spPr>
+            <a:xfrm>
+              <a:off x="1522930" y="2649771"/>
+              <a:ext cx="9592407" cy="1081478"/>
+            </a:xfrm>
+            <a:custGeom>
+              <a:avLst/>
+              <a:gdLst>
+                <a:gd name="connsiteX0" fmla="*/ 0 w 9592407"/>
+                <a:gd name="connsiteY0" fmla="*/ 0 h 797883"/>
+                <a:gd name="connsiteX1" fmla="*/ 9218304 w 9592407"/>
+                <a:gd name="connsiteY1" fmla="*/ 0 h 797883"/>
+                <a:gd name="connsiteX2" fmla="*/ 9218304 w 9592407"/>
+                <a:gd name="connsiteY2" fmla="*/ 12079 h 797883"/>
+                <a:gd name="connsiteX3" fmla="*/ 9592407 w 9592407"/>
+                <a:gd name="connsiteY3" fmla="*/ 386182 h 797883"/>
+                <a:gd name="connsiteX4" fmla="*/ 9592407 w 9592407"/>
+                <a:gd name="connsiteY4" fmla="*/ 411700 h 797883"/>
+                <a:gd name="connsiteX5" fmla="*/ 9218304 w 9592407"/>
+                <a:gd name="connsiteY5" fmla="*/ 785803 h 797883"/>
+                <a:gd name="connsiteX6" fmla="*/ 9218304 w 9592407"/>
+                <a:gd name="connsiteY6" fmla="*/ 797883 h 797883"/>
+                <a:gd name="connsiteX7" fmla="*/ 0 w 9592407"/>
+                <a:gd name="connsiteY7" fmla="*/ 797883 h 797883"/>
+                <a:gd name="connsiteX8" fmla="*/ 0 w 9592407"/>
+                <a:gd name="connsiteY8" fmla="*/ 785803 h 797883"/>
+                <a:gd name="connsiteX9" fmla="*/ 386862 w 9592407"/>
+                <a:gd name="connsiteY9" fmla="*/ 398941 h 797883"/>
+                <a:gd name="connsiteX10" fmla="*/ 0 w 9592407"/>
+                <a:gd name="connsiteY10" fmla="*/ 12079 h 797883"/>
+              </a:gdLst>
+              <a:ahLst/>
+              <a:cxnLst>
+                <a:cxn ang="0">
+                  <a:pos x="connsiteX0" y="connsiteY0"/>
+                </a:cxn>
+                <a:cxn ang="0">
+                  <a:pos x="connsiteX1" y="connsiteY1"/>
+                </a:cxn>
+                <a:cxn ang="0">
+                  <a:pos x="connsiteX2" y="connsiteY2"/>
+                </a:cxn>
+                <a:cxn ang="0">
+                  <a:pos x="connsiteX3" y="connsiteY3"/>
+                </a:cxn>
+                <a:cxn ang="0">
+                  <a:pos x="connsiteX4" y="connsiteY4"/>
+                </a:cxn>
+                <a:cxn ang="0">
+                  <a:pos x="connsiteX5" y="connsiteY5"/>
+                </a:cxn>
+                <a:cxn ang="0">
+                  <a:pos x="connsiteX6" y="connsiteY6"/>
+                </a:cxn>
+                <a:cxn ang="0">
+                  <a:pos x="connsiteX7" y="connsiteY7"/>
+                </a:cxn>
+                <a:cxn ang="0">
+                  <a:pos x="connsiteX8" y="connsiteY8"/>
+                </a:cxn>
+                <a:cxn ang="0">
+                  <a:pos x="connsiteX9" y="connsiteY9"/>
+                </a:cxn>
+                <a:cxn ang="0">
+                  <a:pos x="connsiteX10" y="connsiteY10"/>
+                </a:cxn>
+              </a:cxnLst>
+              <a:rect l="l" t="t" r="r" b="b"/>
+              <a:pathLst>
+                <a:path w="9592407" h="797883">
+                  <a:moveTo>
+                    <a:pt x="0" y="0"/>
+                  </a:moveTo>
+                  <a:lnTo>
+                    <a:pt x="9218304" y="0"/>
+                  </a:lnTo>
+                  <a:lnTo>
+                    <a:pt x="9218304" y="12079"/>
+                  </a:lnTo>
+                  <a:lnTo>
+                    <a:pt x="9592407" y="386182"/>
+                  </a:lnTo>
+                  <a:lnTo>
+                    <a:pt x="9592407" y="411700"/>
+                  </a:lnTo>
+                  <a:lnTo>
+                    <a:pt x="9218304" y="785803"/>
+                  </a:lnTo>
+                  <a:lnTo>
+                    <a:pt x="9218304" y="797883"/>
+                  </a:lnTo>
+                  <a:lnTo>
+                    <a:pt x="0" y="797883"/>
+                  </a:lnTo>
+                  <a:lnTo>
+                    <a:pt x="0" y="785803"/>
+                  </a:lnTo>
+                  <a:lnTo>
+                    <a:pt x="386862" y="398941"/>
+                  </a:lnTo>
+                  <a:lnTo>
+                    <a:pt x="0" y="12079"/>
+                  </a:lnTo>
+                  <a:close/>
+                </a:path>
+              </a:pathLst>
+            </a:custGeom>
+            <a:solidFill>
+              <a:srgbClr val="FD7BA3"/>
+            </a:solidFill>
+          </p:spPr>
+          <p:style>
+            <a:lnRef idx="2">
+              <a:schemeClr val="accent1">
+                <a:shade val="50000"/>
+              </a:schemeClr>
+            </a:lnRef>
+            <a:fillRef idx="1">
+              <a:schemeClr val="accent1"/>
+            </a:fillRef>
+            <a:effectRef idx="0">
+              <a:schemeClr val="accent1"/>
+            </a:effectRef>
+            <a:fontRef idx="minor">
+              <a:schemeClr val="lt1"/>
+            </a:fontRef>
+          </p:style>
+          <p:txBody>
+            <a:bodyPr wrap="square" rtlCol="0" anchor="ctr">
+              <a:noAutofit/>
+            </a:bodyPr>
+            <a:lstStyle/>
+            <a:p>
+              <a:pPr algn="ctr"/>
+              <a:endParaRPr lang="en-IN" dirty="0"/>
+            </a:p>
+          </p:txBody>
+        </p:sp>
+        <p:sp>
+          <p:nvSpPr>
+            <p:cNvPr id="18" name="TextBox 17">
+              <a:extLst>
+                <a:ext uri="{FF2B5EF4-FFF2-40B4-BE49-F238E27FC236}">
+                  <a16:creationId xmlns:a16="http://schemas.microsoft.com/office/drawing/2014/main" id="{3CC4AF45-3B95-4649-846D-C1FBD01D0862}"/>
+                </a:ext>
+              </a:extLst>
+            </p:cNvPr>
+            <p:cNvSpPr txBox="1"/>
+            <p:nvPr/>
+          </p:nvSpPr>
+          <p:spPr>
+            <a:xfrm>
+              <a:off x="2171700" y="2716334"/>
+              <a:ext cx="7886700" cy="923330"/>
+            </a:xfrm>
+            <a:prstGeom prst="rect">
+              <a:avLst/>
+            </a:prstGeom>
+            <a:noFill/>
+          </p:spPr>
+          <p:txBody>
+            <a:bodyPr wrap="square" rtlCol="0">
+              <a:spAutoFit/>
+            </a:bodyPr>
+            <a:lstStyle/>
+            <a:p>
+              <a:pPr algn="just"/>
+              <a:r>
+                <a:rPr lang="en-IN" b="1" dirty="0"/>
+                <a:t>The website will provide the tourist to plan and decide which place they want to visit as some people have time constraint and want to take a break , they can decide which place will suit them.</a:t>
+              </a:r>
+            </a:p>
+          </p:txBody>
+        </p:sp>
+        <p:sp>
+          <p:nvSpPr>
+            <p:cNvPr id="20" name="Freeform: Shape 19">
+              <a:extLst>
+                <a:ext uri="{FF2B5EF4-FFF2-40B4-BE49-F238E27FC236}">
+                  <a16:creationId xmlns:a16="http://schemas.microsoft.com/office/drawing/2014/main" id="{07DDC255-71D8-4B54-A126-17EBA05E217E}"/>
+                </a:ext>
+              </a:extLst>
+            </p:cNvPr>
+            <p:cNvSpPr/>
+            <p:nvPr/>
+          </p:nvSpPr>
+          <p:spPr>
+            <a:xfrm>
+              <a:off x="1522930" y="3916146"/>
+              <a:ext cx="9592407" cy="1081478"/>
+            </a:xfrm>
+            <a:custGeom>
+              <a:avLst/>
+              <a:gdLst>
+                <a:gd name="connsiteX0" fmla="*/ 0 w 9592407"/>
+                <a:gd name="connsiteY0" fmla="*/ 0 h 797883"/>
+                <a:gd name="connsiteX1" fmla="*/ 9218304 w 9592407"/>
+                <a:gd name="connsiteY1" fmla="*/ 0 h 797883"/>
+                <a:gd name="connsiteX2" fmla="*/ 9218304 w 9592407"/>
+                <a:gd name="connsiteY2" fmla="*/ 12079 h 797883"/>
+                <a:gd name="connsiteX3" fmla="*/ 9592407 w 9592407"/>
+                <a:gd name="connsiteY3" fmla="*/ 386182 h 797883"/>
+                <a:gd name="connsiteX4" fmla="*/ 9592407 w 9592407"/>
+                <a:gd name="connsiteY4" fmla="*/ 411700 h 797883"/>
+                <a:gd name="connsiteX5" fmla="*/ 9218304 w 9592407"/>
+                <a:gd name="connsiteY5" fmla="*/ 785803 h 797883"/>
+                <a:gd name="connsiteX6" fmla="*/ 9218304 w 9592407"/>
+                <a:gd name="connsiteY6" fmla="*/ 797883 h 797883"/>
+                <a:gd name="connsiteX7" fmla="*/ 0 w 9592407"/>
+                <a:gd name="connsiteY7" fmla="*/ 797883 h 797883"/>
+                <a:gd name="connsiteX8" fmla="*/ 0 w 9592407"/>
+                <a:gd name="connsiteY8" fmla="*/ 785803 h 797883"/>
+                <a:gd name="connsiteX9" fmla="*/ 386862 w 9592407"/>
+                <a:gd name="connsiteY9" fmla="*/ 398941 h 797883"/>
+                <a:gd name="connsiteX10" fmla="*/ 0 w 9592407"/>
+                <a:gd name="connsiteY10" fmla="*/ 12079 h 797883"/>
+              </a:gdLst>
+              <a:ahLst/>
+              <a:cxnLst>
+                <a:cxn ang="0">
+                  <a:pos x="connsiteX0" y="connsiteY0"/>
+                </a:cxn>
+                <a:cxn ang="0">
+                  <a:pos x="connsiteX1" y="connsiteY1"/>
+                </a:cxn>
+                <a:cxn ang="0">
+                  <a:pos x="connsiteX2" y="connsiteY2"/>
+                </a:cxn>
+                <a:cxn ang="0">
+                  <a:pos x="connsiteX3" y="connsiteY3"/>
+                </a:cxn>
+                <a:cxn ang="0">
+                  <a:pos x="connsiteX4" y="connsiteY4"/>
+                </a:cxn>
+                <a:cxn ang="0">
+                  <a:pos x="connsiteX5" y="connsiteY5"/>
+                </a:cxn>
+                <a:cxn ang="0">
+                  <a:pos x="connsiteX6" y="connsiteY6"/>
+                </a:cxn>
+                <a:cxn ang="0">
+                  <a:pos x="connsiteX7" y="connsiteY7"/>
+                </a:cxn>
+                <a:cxn ang="0">
+                  <a:pos x="connsiteX8" y="connsiteY8"/>
+                </a:cxn>
+                <a:cxn ang="0">
+                  <a:pos x="connsiteX9" y="connsiteY9"/>
+                </a:cxn>
+                <a:cxn ang="0">
+                  <a:pos x="connsiteX10" y="connsiteY10"/>
+                </a:cxn>
+              </a:cxnLst>
+              <a:rect l="l" t="t" r="r" b="b"/>
+              <a:pathLst>
+                <a:path w="9592407" h="797883">
+                  <a:moveTo>
+                    <a:pt x="0" y="0"/>
+                  </a:moveTo>
+                  <a:lnTo>
+                    <a:pt x="9218304" y="0"/>
+                  </a:lnTo>
+                  <a:lnTo>
+                    <a:pt x="9218304" y="12079"/>
+                  </a:lnTo>
+                  <a:lnTo>
+                    <a:pt x="9592407" y="386182"/>
+                  </a:lnTo>
+                  <a:lnTo>
+                    <a:pt x="9592407" y="411700"/>
+                  </a:lnTo>
+                  <a:lnTo>
+                    <a:pt x="9218304" y="785803"/>
+                  </a:lnTo>
+                  <a:lnTo>
+                    <a:pt x="9218304" y="797883"/>
+                  </a:lnTo>
+                  <a:lnTo>
+                    <a:pt x="0" y="797883"/>
+                  </a:lnTo>
+                  <a:lnTo>
+                    <a:pt x="0" y="785803"/>
+                  </a:lnTo>
+                  <a:lnTo>
+                    <a:pt x="386862" y="398941"/>
+                  </a:lnTo>
+                  <a:lnTo>
+                    <a:pt x="0" y="12079"/>
+                  </a:lnTo>
+                  <a:close/>
+                </a:path>
+              </a:pathLst>
+            </a:custGeom>
+            <a:solidFill>
+              <a:srgbClr val="FD7BA3"/>
+            </a:solidFill>
+          </p:spPr>
+          <p:style>
+            <a:lnRef idx="2">
+              <a:schemeClr val="accent1">
+                <a:shade val="50000"/>
+              </a:schemeClr>
+            </a:lnRef>
+            <a:fillRef idx="1">
+              <a:schemeClr val="accent1"/>
+            </a:fillRef>
+            <a:effectRef idx="0">
+              <a:schemeClr val="accent1"/>
+            </a:effectRef>
+            <a:fontRef idx="minor">
+              <a:schemeClr val="lt1"/>
+            </a:fontRef>
+          </p:style>
+          <p:txBody>
+            <a:bodyPr wrap="square" rtlCol="0" anchor="ctr">
+              <a:noAutofit/>
+            </a:bodyPr>
+            <a:lstStyle/>
+            <a:p>
+              <a:pPr algn="ctr"/>
+              <a:endParaRPr lang="en-IN" dirty="0"/>
+            </a:p>
+          </p:txBody>
+        </p:sp>
+        <p:sp>
+          <p:nvSpPr>
+            <p:cNvPr id="21" name="TextBox 20">
+              <a:extLst>
+                <a:ext uri="{FF2B5EF4-FFF2-40B4-BE49-F238E27FC236}">
+                  <a16:creationId xmlns:a16="http://schemas.microsoft.com/office/drawing/2014/main" id="{75BE8222-084E-4BDE-BE6E-09FF1120EA2F}"/>
+                </a:ext>
+              </a:extLst>
+            </p:cNvPr>
+            <p:cNvSpPr txBox="1"/>
+            <p:nvPr/>
+          </p:nvSpPr>
+          <p:spPr>
+            <a:xfrm>
+              <a:off x="2171700" y="3982709"/>
+              <a:ext cx="7886700" cy="923330"/>
+            </a:xfrm>
+            <a:prstGeom prst="rect">
+              <a:avLst/>
+            </a:prstGeom>
+            <a:noFill/>
+          </p:spPr>
+          <p:txBody>
+            <a:bodyPr wrap="square" rtlCol="0">
+              <a:spAutoFit/>
+            </a:bodyPr>
+            <a:lstStyle/>
+            <a:p>
+              <a:pPr algn="just"/>
+              <a:r>
+                <a:rPr lang="en-IN" b="1" dirty="0"/>
+                <a:t>They can find the hotels that are featured in the website and can also book them and </a:t>
+              </a:r>
+              <a:r>
+                <a:rPr lang="en-IN" b="1" dirty="0" err="1"/>
+                <a:t>preplan</a:t>
+              </a:r>
+              <a:r>
+                <a:rPr lang="en-IN" b="1" dirty="0"/>
+                <a:t> route that they want to take to that place through the map provided below.</a:t>
+              </a:r>
+            </a:p>
+          </p:txBody>
+        </p:sp>
+      </p:grpSp>
     </p:spTree>
     <p:extLst>
       <p:ext uri="{BB962C8B-B14F-4D97-AF65-F5344CB8AC3E}">
@@ -9670,7 +9584,7 @@
           <p:spPr>
             <a:xfrm>
               <a:off x="2787162" y="2154115"/>
-              <a:ext cx="7429500" cy="923330"/>
+              <a:ext cx="7429500" cy="646331"/>
             </a:xfrm>
             <a:prstGeom prst="rect">
               <a:avLst/>
@@ -9691,13 +9605,15 @@
             <a:p>
               <a:r>
                 <a:rPr lang="en-IN" dirty="0"/>
-                <a:t>Framework : ANGULAR JAVASCRIPT(JAVASCRIPT based framework),</a:t>
+                <a:t>Framework : Lightbox by Lokesh </a:t>
               </a:r>
-            </a:p>
-            <a:p>
+              <a:r>
+                <a:rPr lang="en-IN" dirty="0" err="1"/>
+                <a:t>Dhakar</a:t>
+              </a:r>
               <a:r>
                 <a:rPr lang="en-IN" dirty="0"/>
-                <a:t>	      BOOTSTRAP(CSS based framework).</a:t>
+                <a:t> and jQuery </a:t>
               </a:r>
             </a:p>
           </p:txBody>
@@ -9895,7 +9811,15 @@
             <a:p>
               <a:r>
                 <a:rPr lang="en-IN" dirty="0"/>
-                <a:t>Operating system: mac OS, Windows operating system, chrome OS.</a:t>
+                <a:t>Operating system: mac OS, Windows operating system, chrome </a:t>
+              </a:r>
+              <a:r>
+                <a:rPr lang="en-IN" dirty="0" err="1"/>
+                <a:t>OS,Linux</a:t>
+              </a:r>
+              <a:r>
+                <a:rPr lang="en-IN" dirty="0"/>
+                <a:t>.</a:t>
               </a:r>
             </a:p>
             <a:p>
